--- a/Course Content/What is a user story.pptx
+++ b/Course Content/What is a user story.pptx
@@ -7,13 +7,14 @@
   <p:sldIdLst>
     <p:sldId id="257" r:id="rId2"/>
     <p:sldId id="258" r:id="rId3"/>
-    <p:sldId id="259" r:id="rId4"/>
-    <p:sldId id="260" r:id="rId5"/>
-    <p:sldId id="261" r:id="rId6"/>
-    <p:sldId id="262" r:id="rId7"/>
-    <p:sldId id="263" r:id="rId8"/>
-    <p:sldId id="265" r:id="rId9"/>
-    <p:sldId id="266" r:id="rId10"/>
+    <p:sldId id="267" r:id="rId4"/>
+    <p:sldId id="259" r:id="rId5"/>
+    <p:sldId id="260" r:id="rId6"/>
+    <p:sldId id="261" r:id="rId7"/>
+    <p:sldId id="262" r:id="rId8"/>
+    <p:sldId id="263" r:id="rId9"/>
+    <p:sldId id="265" r:id="rId10"/>
+    <p:sldId id="266" r:id="rId11"/>
   </p:sldIdLst>
   <p:sldSz cx="12192000" cy="6858000"/>
   <p:notesSz cx="6858000" cy="9144000"/>
@@ -146,6 +147,53 @@
       </pc:sldChg>
     </pc:docChg>
   </pc:docChgLst>
+  <pc:docChgLst>
+    <pc:chgData name="Martin Schray" userId="bf4f4853c980e97a" providerId="LiveId" clId="{F4CCCE35-9831-49B4-A031-25DC280E0E2A}"/>
+    <pc:docChg chg="custSel addSld modSld sldOrd">
+      <pc:chgData name="Martin Schray" userId="bf4f4853c980e97a" providerId="LiveId" clId="{F4CCCE35-9831-49B4-A031-25DC280E0E2A}" dt="2023-02-01T00:16:55.406" v="683" actId="20577"/>
+      <pc:docMkLst>
+        <pc:docMk/>
+      </pc:docMkLst>
+      <pc:sldChg chg="modSp mod">
+        <pc:chgData name="Martin Schray" userId="bf4f4853c980e97a" providerId="LiveId" clId="{F4CCCE35-9831-49B4-A031-25DC280E0E2A}" dt="2023-02-01T00:16:55.406" v="683" actId="20577"/>
+        <pc:sldMkLst>
+          <pc:docMk/>
+          <pc:sldMk cId="834263377" sldId="259"/>
+        </pc:sldMkLst>
+        <pc:spChg chg="mod">
+          <ac:chgData name="Martin Schray" userId="bf4f4853c980e97a" providerId="LiveId" clId="{F4CCCE35-9831-49B4-A031-25DC280E0E2A}" dt="2023-02-01T00:16:55.406" v="683" actId="20577"/>
+          <ac:spMkLst>
+            <pc:docMk/>
+            <pc:sldMk cId="834263377" sldId="259"/>
+            <ac:spMk id="5" creationId="{9CB28A54-6F4D-4791-9AF7-528ACD52CE76}"/>
+          </ac:spMkLst>
+        </pc:spChg>
+      </pc:sldChg>
+      <pc:sldChg chg="modSp new mod ord">
+        <pc:chgData name="Martin Schray" userId="bf4f4853c980e97a" providerId="LiveId" clId="{F4CCCE35-9831-49B4-A031-25DC280E0E2A}" dt="2023-02-01T00:16:17.002" v="670" actId="20577"/>
+        <pc:sldMkLst>
+          <pc:docMk/>
+          <pc:sldMk cId="1709479183" sldId="267"/>
+        </pc:sldMkLst>
+        <pc:spChg chg="mod">
+          <ac:chgData name="Martin Schray" userId="bf4f4853c980e97a" providerId="LiveId" clId="{F4CCCE35-9831-49B4-A031-25DC280E0E2A}" dt="2023-02-01T00:13:10.684" v="328" actId="20577"/>
+          <ac:spMkLst>
+            <pc:docMk/>
+            <pc:sldMk cId="1709479183" sldId="267"/>
+            <ac:spMk id="2" creationId="{D8F79609-8757-3C74-0C71-A242112B0DDB}"/>
+          </ac:spMkLst>
+        </pc:spChg>
+        <pc:spChg chg="mod">
+          <ac:chgData name="Martin Schray" userId="bf4f4853c980e97a" providerId="LiveId" clId="{F4CCCE35-9831-49B4-A031-25DC280E0E2A}" dt="2023-02-01T00:16:17.002" v="670" actId="20577"/>
+          <ac:spMkLst>
+            <pc:docMk/>
+            <pc:sldMk cId="1709479183" sldId="267"/>
+            <ac:spMk id="3" creationId="{EC6FFDAD-0A77-48AA-E10D-CBF9DFDC52C6}"/>
+          </ac:spMkLst>
+        </pc:spChg>
+      </pc:sldChg>
+    </pc:docChg>
+  </pc:docChgLst>
 </pc:chgInfo>
 </file>
 
@@ -393,7 +441,7 @@
           <a:p>
             <a:fld id="{9184DA70-C731-4C70-880D-CCD4705E623C}" type="datetime1">
               <a:rPr lang="en-US" smtClean="0"/>
-              <a:t>1/29/2022</a:t>
+              <a:t>1/31/2023</a:t>
             </a:fld>
             <a:endParaRPr lang="en-US" dirty="0"/>
           </a:p>
@@ -581,7 +629,7 @@
           <a:p>
             <a:fld id="{B612A279-0833-481D-8C56-F67FD0AC6C50}" type="datetime1">
               <a:rPr lang="en-US" smtClean="0"/>
-              <a:t>1/29/2022</a:t>
+              <a:t>1/31/2023</a:t>
             </a:fld>
             <a:endParaRPr lang="en-US" dirty="0"/>
           </a:p>
@@ -823,7 +871,7 @@
           <a:p>
             <a:fld id="{6587DA83-5663-4C9C-B9AA-0B40A3DAFF81}" type="datetime1">
               <a:rPr lang="en-US" smtClean="0"/>
-              <a:t>1/29/2022</a:t>
+              <a:t>1/31/2023</a:t>
             </a:fld>
             <a:endParaRPr lang="en-US" dirty="0"/>
           </a:p>
@@ -1011,7 +1059,7 @@
           <a:p>
             <a:fld id="{4BE1D723-8F53-4F53-90B0-1982A396982E}" type="datetime1">
               <a:rPr lang="en-US" smtClean="0"/>
-              <a:t>1/29/2022</a:t>
+              <a:t>1/31/2023</a:t>
             </a:fld>
             <a:endParaRPr lang="en-US" dirty="0"/>
           </a:p>
@@ -1384,7 +1432,7 @@
           <a:p>
             <a:fld id="{97669AF7-7BEB-44E4-9852-375E34362B5B}" type="datetime1">
               <a:rPr lang="en-US" smtClean="0"/>
-              <a:t>1/29/2022</a:t>
+              <a:t>1/31/2023</a:t>
             </a:fld>
             <a:endParaRPr lang="en-US" dirty="0"/>
           </a:p>
@@ -1639,7 +1687,7 @@
           <a:p>
             <a:fld id="{BAAAC38D-0552-4C82-B593-E6124DFADBE2}" type="datetime1">
               <a:rPr lang="en-US" smtClean="0"/>
-              <a:t>1/29/2022</a:t>
+              <a:t>1/31/2023</a:t>
             </a:fld>
             <a:endParaRPr lang="en-US" dirty="0"/>
           </a:p>
@@ -2036,7 +2084,7 @@
           <a:p>
             <a:fld id="{D9DF0F1C-5577-4ACB-BB62-DF8F3C494C7E}" type="datetime1">
               <a:rPr lang="en-US" smtClean="0"/>
-              <a:t>1/29/2022</a:t>
+              <a:t>1/31/2023</a:t>
             </a:fld>
             <a:endParaRPr lang="en-US" dirty="0"/>
           </a:p>
@@ -2172,7 +2220,7 @@
           <a:p>
             <a:fld id="{1775B394-D9F9-4F0C-B15D-605F45CB9E9F}" type="datetime1">
               <a:rPr lang="en-US" smtClean="0"/>
-              <a:t>1/29/2022</a:t>
+              <a:t>1/31/2023</a:t>
             </a:fld>
             <a:endParaRPr lang="en-US" dirty="0"/>
           </a:p>
@@ -2329,7 +2377,7 @@
           <a:p>
             <a:fld id="{39667345-2558-425A-8533-9BFDBCE15005}" type="datetime1">
               <a:rPr lang="en-US" smtClean="0"/>
-              <a:t>1/29/2022</a:t>
+              <a:t>1/31/2023</a:t>
             </a:fld>
             <a:endParaRPr lang="en-US" dirty="0"/>
           </a:p>
@@ -2658,7 +2706,7 @@
           <a:p>
             <a:fld id="{92BEA474-078D-4E9B-9B14-09A87B19DC46}" type="datetime1">
               <a:rPr lang="en-US" smtClean="0"/>
-              <a:t>1/29/2022</a:t>
+              <a:t>1/31/2023</a:t>
             </a:fld>
             <a:endParaRPr lang="en-US" dirty="0"/>
           </a:p>
@@ -3008,7 +3056,7 @@
           <a:p>
             <a:fld id="{4907D986-8816-4272-A432-0437A28A9828}" type="datetime1">
               <a:rPr lang="en-US" smtClean="0"/>
-              <a:t>1/29/2022</a:t>
+              <a:t>1/31/2023</a:t>
             </a:fld>
             <a:endParaRPr lang="en-US" dirty="0"/>
           </a:p>
@@ -3269,7 +3317,7 @@
           <a:p>
             <a:fld id="{62D6E202-B606-4609-B914-27C9371A1F6D}" type="datetime1">
               <a:rPr lang="en-US" smtClean="0"/>
-              <a:t>1/29/2022</a:t>
+              <a:t>1/31/2023</a:t>
             </a:fld>
             <a:endParaRPr lang="en-US" dirty="0"/>
           </a:p>
@@ -4040,6 +4088,116 @@
 </p:sld>
 </file>
 
+<file path=ppt/slides/slide10.xml><?xml version="1.0" encoding="utf-8"?>
+<p:sld xmlns:a="http://schemas.openxmlformats.org/drawingml/2006/main" xmlns:r="http://schemas.openxmlformats.org/officeDocument/2006/relationships" xmlns:p="http://schemas.openxmlformats.org/presentationml/2006/main">
+  <p:cSld>
+    <p:spTree>
+      <p:nvGrpSpPr>
+        <p:cNvPr id="1" name=""/>
+        <p:cNvGrpSpPr/>
+        <p:nvPr/>
+      </p:nvGrpSpPr>
+      <p:grpSpPr>
+        <a:xfrm>
+          <a:off x="0" y="0"/>
+          <a:ext cx="0" cy="0"/>
+          <a:chOff x="0" y="0"/>
+          <a:chExt cx="0" cy="0"/>
+        </a:xfrm>
+      </p:grpSpPr>
+      <p:sp>
+        <p:nvSpPr>
+          <p:cNvPr id="2" name="Title 1">
+            <a:extLst>
+              <a:ext uri="{FF2B5EF4-FFF2-40B4-BE49-F238E27FC236}">
+                <a16:creationId xmlns:a16="http://schemas.microsoft.com/office/drawing/2014/main" id="{38CFF189-C4AA-4687-BE7D-84B53CAED8D2}"/>
+              </a:ext>
+            </a:extLst>
+          </p:cNvPr>
+          <p:cNvSpPr>
+            <a:spLocks noGrp="1"/>
+          </p:cNvSpPr>
+          <p:nvPr>
+            <p:ph type="title"/>
+          </p:nvPr>
+        </p:nvSpPr>
+        <p:spPr/>
+        <p:txBody>
+          <a:bodyPr/>
+          <a:lstStyle/>
+          <a:p>
+            <a:endParaRPr lang="en-US"/>
+          </a:p>
+        </p:txBody>
+      </p:sp>
+      <p:sp>
+        <p:nvSpPr>
+          <p:cNvPr id="3" name="Content Placeholder 2">
+            <a:extLst>
+              <a:ext uri="{FF2B5EF4-FFF2-40B4-BE49-F238E27FC236}">
+                <a16:creationId xmlns:a16="http://schemas.microsoft.com/office/drawing/2014/main" id="{7AB7356C-F4C6-4EB2-81EE-2E21B60FB292}"/>
+              </a:ext>
+            </a:extLst>
+          </p:cNvPr>
+          <p:cNvSpPr>
+            <a:spLocks noGrp="1"/>
+          </p:cNvSpPr>
+          <p:nvPr>
+            <p:ph idx="1"/>
+          </p:nvPr>
+        </p:nvSpPr>
+        <p:spPr/>
+        <p:txBody>
+          <a:bodyPr/>
+          <a:lstStyle/>
+          <a:p>
+            <a:endParaRPr lang="en-US" dirty="0"/>
+          </a:p>
+        </p:txBody>
+      </p:sp>
+      <p:pic>
+        <p:nvPicPr>
+          <p:cNvPr id="5" name="Picture 4">
+            <a:extLst>
+              <a:ext uri="{FF2B5EF4-FFF2-40B4-BE49-F238E27FC236}">
+                <a16:creationId xmlns:a16="http://schemas.microsoft.com/office/drawing/2014/main" id="{0FF23216-8F22-4BCE-8387-78634A2241D7}"/>
+              </a:ext>
+            </a:extLst>
+          </p:cNvPr>
+          <p:cNvPicPr>
+            <a:picLocks noChangeAspect="1"/>
+          </p:cNvPicPr>
+          <p:nvPr/>
+        </p:nvPicPr>
+        <p:blipFill>
+          <a:blip r:embed="rId2"/>
+          <a:stretch>
+            <a:fillRect/>
+          </a:stretch>
+        </p:blipFill>
+        <p:spPr>
+          <a:xfrm>
+            <a:off x="1322109" y="151316"/>
+            <a:ext cx="7786031" cy="6384822"/>
+          </a:xfrm>
+          <a:prstGeom prst="rect">
+            <a:avLst/>
+          </a:prstGeom>
+        </p:spPr>
+      </p:pic>
+    </p:spTree>
+    <p:extLst>
+      <p:ext uri="{BB962C8B-B14F-4D97-AF65-F5344CB8AC3E}">
+        <p14:creationId xmlns:p14="http://schemas.microsoft.com/office/powerpoint/2010/main" val="4183842153"/>
+      </p:ext>
+    </p:extLst>
+  </p:cSld>
+  <p:clrMapOvr>
+    <a:masterClrMapping/>
+  </p:clrMapOvr>
+</p:sld>
+</file>
+
 <file path=ppt/slides/slide2.xml><?xml version="1.0" encoding="utf-8"?>
 <p:sld xmlns:a="http://schemas.openxmlformats.org/drawingml/2006/main" xmlns:r="http://schemas.openxmlformats.org/officeDocument/2006/relationships" xmlns:p="http://schemas.openxmlformats.org/presentationml/2006/main">
   <p:cSld>
@@ -4199,10 +4357,10 @@
       </p:grpSpPr>
       <p:sp>
         <p:nvSpPr>
-          <p:cNvPr id="5" name="Title 4">
-            <a:extLst>
-              <a:ext uri="{FF2B5EF4-FFF2-40B4-BE49-F238E27FC236}">
-                <a16:creationId xmlns:a16="http://schemas.microsoft.com/office/drawing/2014/main" id="{9CB28A54-6F4D-4791-9AF7-528ACD52CE76}"/>
+          <p:cNvPr id="2" name="Title 1">
+            <a:extLst>
+              <a:ext uri="{FF2B5EF4-FFF2-40B4-BE49-F238E27FC236}">
+                <a16:creationId xmlns:a16="http://schemas.microsoft.com/office/drawing/2014/main" id="{D8F79609-8757-3C74-0C71-A242112B0DDB}"/>
               </a:ext>
             </a:extLst>
           </p:cNvPr>
@@ -4220,17 +4378,17 @@
           <a:p>
             <a:r>
               <a:rPr lang="en-US" dirty="0"/>
-              <a:t>What is a user story?</a:t>
-            </a:r>
-          </a:p>
-        </p:txBody>
-      </p:sp>
-      <p:sp>
-        <p:nvSpPr>
-          <p:cNvPr id="6" name="Content Placeholder 5">
-            <a:extLst>
-              <a:ext uri="{FF2B5EF4-FFF2-40B4-BE49-F238E27FC236}">
-                <a16:creationId xmlns:a16="http://schemas.microsoft.com/office/drawing/2014/main" id="{4980BF3C-D8EE-4349-B7FC-A3CDAE04E1F8}"/>
+              <a:t>What is a user story for this class?</a:t>
+            </a:r>
+          </a:p>
+        </p:txBody>
+      </p:sp>
+      <p:sp>
+        <p:nvSpPr>
+          <p:cNvPr id="3" name="Content Placeholder 2">
+            <a:extLst>
+              <a:ext uri="{FF2B5EF4-FFF2-40B4-BE49-F238E27FC236}">
+                <a16:creationId xmlns:a16="http://schemas.microsoft.com/office/drawing/2014/main" id="{EC6FFDAD-0A77-48AA-E10D-CBF9DFDC52C6}"/>
               </a:ext>
             </a:extLst>
           </p:cNvPr>
@@ -4241,11 +4399,14 @@
             <p:ph idx="1"/>
           </p:nvPr>
         </p:nvSpPr>
-        <p:spPr/>
-        <p:txBody>
-          <a:bodyPr>
-            <a:normAutofit/>
-          </a:bodyPr>
+        <p:spPr>
+          <a:xfrm>
+            <a:off x="1097280" y="2128521"/>
+            <a:ext cx="10058400" cy="3760891"/>
+          </a:xfrm>
+        </p:spPr>
+        <p:txBody>
+          <a:bodyPr/>
           <a:lstStyle/>
           <a:p>
             <a:pPr>
@@ -4254,7 +4415,7 @@
             </a:pPr>
             <a:r>
               <a:rPr lang="en-US" dirty="0"/>
-              <a:t>A mechanism for capturing user requirements - while allow allowing just in time detail to be added </a:t>
+              <a:t>A unit of work (chunk of work) to be done – no more work than can be done during/between this class and the next</a:t>
             </a:r>
           </a:p>
           <a:p>
@@ -4264,7 +4425,7 @@
             </a:pPr>
             <a:r>
               <a:rPr lang="en-US" dirty="0"/>
-              <a:t>Is supposed to have just enough detail</a:t>
+              <a:t>Done by an individual</a:t>
             </a:r>
           </a:p>
           <a:p>
@@ -4274,17 +4435,7 @@
             </a:pPr>
             <a:r>
               <a:rPr lang="en-US" dirty="0"/>
-              <a:t>Stories are stored in the Product backlog</a:t>
-            </a:r>
-          </a:p>
-          <a:p>
-            <a:pPr>
-              <a:buFont typeface="Arial" panose="020B0604020202020204" pitchFamily="34" charset="0"/>
-              <a:buChar char="•"/>
-            </a:pPr>
-            <a:r>
-              <a:rPr lang="en-US" dirty="0"/>
-              <a:t>Stories to be done in this sprint are called "sprint backlog"</a:t>
+              <a:t>Should provide details so I know when I am done (called definition of done of acceptance criterion.</a:t>
             </a:r>
           </a:p>
           <a:p>
@@ -4294,7 +4445,7 @@
             </a:pPr>
             <a:r>
               <a:rPr lang="en-US" dirty="0"/>
-              <a:t>its called part of the sprint product backlog</a:t>
+              <a:t>What “tasks” or items need to be complete for this to done?</a:t>
             </a:r>
           </a:p>
           <a:p>
@@ -4304,28 +4455,45 @@
             </a:pPr>
             <a:r>
               <a:rPr lang="en-US" dirty="0"/>
-              <a:t>Usually just marked with tag to indicate its in the current sprint (or are in a specific column)</a:t>
-            </a:r>
-          </a:p>
-          <a:p>
-            <a:pPr>
+              <a:t>Example </a:t>
+            </a:r>
+          </a:p>
+          <a:p>
+            <a:pPr lvl="2">
               <a:buFont typeface="Arial" panose="020B0604020202020204" pitchFamily="34" charset="0"/>
               <a:buChar char="•"/>
             </a:pPr>
             <a:r>
               <a:rPr lang="en-US" dirty="0"/>
-              <a:t>Stories near the "top" of the product backlog (most ready to be used in the next sprint or two) have more details</a:t>
-            </a:r>
-          </a:p>
-          <a:p>
-            <a:endParaRPr lang="en-US" dirty="0"/>
+              <a:t>Complete Product Design Doc</a:t>
+            </a:r>
+          </a:p>
+          <a:p>
+            <a:pPr lvl="3">
+              <a:buFont typeface="Arial" panose="020B0604020202020204" pitchFamily="34" charset="0"/>
+              <a:buChar char="•"/>
+            </a:pPr>
+            <a:r>
+              <a:rPr lang="en-US" dirty="0"/>
+              <a:t>every section of the product design doc is complete with relevant and appropriate content</a:t>
+            </a:r>
+          </a:p>
+          <a:p>
+            <a:pPr lvl="3">
+              <a:buFont typeface="Arial" panose="020B0604020202020204" pitchFamily="34" charset="0"/>
+              <a:buChar char="•"/>
+            </a:pPr>
+            <a:r>
+              <a:rPr lang="en-US" dirty="0"/>
+              <a:t>Product design doc is approved by faculty member</a:t>
+            </a:r>
           </a:p>
         </p:txBody>
       </p:sp>
     </p:spTree>
     <p:extLst>
       <p:ext uri="{BB962C8B-B14F-4D97-AF65-F5344CB8AC3E}">
-        <p14:creationId xmlns:p14="http://schemas.microsoft.com/office/powerpoint/2010/main" val="834263377"/>
+        <p14:creationId xmlns:p14="http://schemas.microsoft.com/office/powerpoint/2010/main" val="1709479183"/>
       </p:ext>
     </p:extLst>
   </p:cSld>
@@ -4354,10 +4522,10 @@
       </p:grpSpPr>
       <p:sp>
         <p:nvSpPr>
-          <p:cNvPr id="2" name="Title 1">
-            <a:extLst>
-              <a:ext uri="{FF2B5EF4-FFF2-40B4-BE49-F238E27FC236}">
-                <a16:creationId xmlns:a16="http://schemas.microsoft.com/office/drawing/2014/main" id="{3759F2B2-863D-4D8C-9D47-817BB9486982}"/>
+          <p:cNvPr id="5" name="Title 4">
+            <a:extLst>
+              <a:ext uri="{FF2B5EF4-FFF2-40B4-BE49-F238E27FC236}">
+                <a16:creationId xmlns:a16="http://schemas.microsoft.com/office/drawing/2014/main" id="{9CB28A54-6F4D-4791-9AF7-528ACD52CE76}"/>
               </a:ext>
             </a:extLst>
           </p:cNvPr>
@@ -4375,17 +4543,17 @@
           <a:p>
             <a:r>
               <a:rPr lang="en-US" dirty="0"/>
-              <a:t>Story components</a:t>
-            </a:r>
-          </a:p>
-        </p:txBody>
-      </p:sp>
-      <p:sp>
-        <p:nvSpPr>
-          <p:cNvPr id="3" name="Content Placeholder 2">
-            <a:extLst>
-              <a:ext uri="{FF2B5EF4-FFF2-40B4-BE49-F238E27FC236}">
-                <a16:creationId xmlns:a16="http://schemas.microsoft.com/office/drawing/2014/main" id="{914F5141-FD63-49B0-8170-9D5EDBF108FE}"/>
+              <a:t>What is a user story (real world)?</a:t>
+            </a:r>
+          </a:p>
+        </p:txBody>
+      </p:sp>
+      <p:sp>
+        <p:nvSpPr>
+          <p:cNvPr id="6" name="Content Placeholder 5">
+            <a:extLst>
+              <a:ext uri="{FF2B5EF4-FFF2-40B4-BE49-F238E27FC236}">
+                <a16:creationId xmlns:a16="http://schemas.microsoft.com/office/drawing/2014/main" id="{4980BF3C-D8EE-4349-B7FC-A3CDAE04E1F8}"/>
               </a:ext>
             </a:extLst>
           </p:cNvPr>
@@ -4398,136 +4566,79 @@
         </p:nvSpPr>
         <p:spPr/>
         <p:txBody>
-          <a:bodyPr/>
-          <a:lstStyle/>
-          <a:p>
-            <a:pPr marL="342900" marR="0" lvl="0" indent="-342900" fontAlgn="ctr">
-              <a:lnSpc>
-                <a:spcPct val="107000"/>
-              </a:lnSpc>
-              <a:spcBef>
-                <a:spcPts val="0"/>
-              </a:spcBef>
-              <a:spcAft>
-                <a:spcPts val="0"/>
-              </a:spcAft>
-              <a:buSzPts val="1000"/>
-              <a:buFont typeface="Symbol" panose="05050102010706020507" pitchFamily="18" charset="2"/>
-              <a:buChar char=""/>
-              <a:tabLst>
-                <a:tab pos="908050" algn="l"/>
-              </a:tabLst>
+          <a:bodyPr>
+            <a:normAutofit/>
+          </a:bodyPr>
+          <a:lstStyle/>
+          <a:p>
+            <a:pPr>
+              <a:buFont typeface="Arial" panose="020B0604020202020204" pitchFamily="34" charset="0"/>
+              <a:buChar char="•"/>
             </a:pPr>
             <a:r>
-              <a:rPr lang="en-US" sz="1800" b="1" dirty="0">
-                <a:effectLst/>
-                <a:latin typeface="Calibri" panose="020F0502020204030204" pitchFamily="34" charset="0"/>
-                <a:ea typeface="Times New Roman" panose="02020603050405020304" pitchFamily="18" charset="0"/>
-                <a:cs typeface="Calibri" panose="020F0502020204030204" pitchFamily="34" charset="0"/>
-              </a:rPr>
-              <a:t>Card</a:t>
-            </a:r>
-            <a:r>
-              <a:rPr lang="en-US" sz="1800" dirty="0">
-                <a:effectLst/>
-                <a:latin typeface="Calibri" panose="020F0502020204030204" pitchFamily="34" charset="0"/>
-                <a:ea typeface="Times New Roman" panose="02020603050405020304" pitchFamily="18" charset="0"/>
-                <a:cs typeface="Calibri" panose="020F0502020204030204" pitchFamily="34" charset="0"/>
-              </a:rPr>
-              <a:t> - the card itself (physical or in software tool)</a:t>
-            </a:r>
-            <a:endParaRPr lang="en-US" sz="1800" dirty="0">
-              <a:effectLst/>
-              <a:latin typeface="Calibri" panose="020F0502020204030204" pitchFamily="34" charset="0"/>
-              <a:ea typeface="Calibri" panose="020F0502020204030204" pitchFamily="34" charset="0"/>
-              <a:cs typeface="Times New Roman" panose="02020603050405020304" pitchFamily="18" charset="0"/>
-            </a:endParaRPr>
-          </a:p>
-          <a:p>
-            <a:pPr marL="342900" marR="0" lvl="0" indent="-342900" fontAlgn="ctr">
-              <a:lnSpc>
-                <a:spcPct val="107000"/>
-              </a:lnSpc>
-              <a:spcBef>
-                <a:spcPts val="0"/>
-              </a:spcBef>
-              <a:spcAft>
-                <a:spcPts val="0"/>
-              </a:spcAft>
-              <a:buSzPts val="1000"/>
-              <a:buFont typeface="Symbol" panose="05050102010706020507" pitchFamily="18" charset="2"/>
-              <a:buChar char=""/>
-              <a:tabLst>
-                <a:tab pos="908050" algn="l"/>
-              </a:tabLst>
+              <a:rPr lang="en-US" dirty="0"/>
+              <a:t>A mechanism for capturing user requirements - while allow allowing just in time detail to be added </a:t>
+            </a:r>
+          </a:p>
+          <a:p>
+            <a:pPr>
+              <a:buFont typeface="Arial" panose="020B0604020202020204" pitchFamily="34" charset="0"/>
+              <a:buChar char="•"/>
             </a:pPr>
             <a:r>
-              <a:rPr lang="en-US" sz="1800" b="1" dirty="0">
-                <a:effectLst/>
-                <a:latin typeface="Calibri" panose="020F0502020204030204" pitchFamily="34" charset="0"/>
-                <a:ea typeface="Times New Roman" panose="02020603050405020304" pitchFamily="18" charset="0"/>
-                <a:cs typeface="Calibri" panose="020F0502020204030204" pitchFamily="34" charset="0"/>
-              </a:rPr>
-              <a:t>Conversation</a:t>
-            </a:r>
-            <a:r>
-              <a:rPr lang="en-US" sz="1800" dirty="0">
-                <a:effectLst/>
-                <a:latin typeface="Calibri" panose="020F0502020204030204" pitchFamily="34" charset="0"/>
-                <a:ea typeface="Times New Roman" panose="02020603050405020304" pitchFamily="18" charset="0"/>
-                <a:cs typeface="Calibri" panose="020F0502020204030204" pitchFamily="34" charset="0"/>
-              </a:rPr>
-              <a:t> (e.g. the story doesn't have exhaustive detail it will likely require conversation to get to the right level of details)</a:t>
-            </a:r>
-            <a:endParaRPr lang="en-US" sz="1800" dirty="0">
-              <a:effectLst/>
-              <a:latin typeface="Calibri" panose="020F0502020204030204" pitchFamily="34" charset="0"/>
-              <a:ea typeface="Calibri" panose="020F0502020204030204" pitchFamily="34" charset="0"/>
-              <a:cs typeface="Times New Roman" panose="02020603050405020304" pitchFamily="18" charset="0"/>
-            </a:endParaRPr>
-          </a:p>
-          <a:p>
-            <a:pPr marL="342900" marR="0" lvl="0" indent="-342900" fontAlgn="ctr">
-              <a:lnSpc>
-                <a:spcPct val="107000"/>
-              </a:lnSpc>
-              <a:spcBef>
-                <a:spcPts val="0"/>
-              </a:spcBef>
-              <a:spcAft>
-                <a:spcPts val="0"/>
-              </a:spcAft>
-              <a:buSzPts val="1000"/>
-              <a:buFont typeface="Symbol" panose="05050102010706020507" pitchFamily="18" charset="2"/>
-              <a:buChar char=""/>
-              <a:tabLst>
-                <a:tab pos="908050" algn="l"/>
-              </a:tabLst>
+              <a:rPr lang="en-US" dirty="0"/>
+              <a:t>Is supposed to have just enough detail</a:t>
+            </a:r>
+          </a:p>
+          <a:p>
+            <a:pPr>
+              <a:buFont typeface="Arial" panose="020B0604020202020204" pitchFamily="34" charset="0"/>
+              <a:buChar char="•"/>
             </a:pPr>
             <a:r>
-              <a:rPr lang="en-US" sz="1800" b="1" dirty="0">
-                <a:effectLst/>
-                <a:latin typeface="Calibri" panose="020F0502020204030204" pitchFamily="34" charset="0"/>
-                <a:ea typeface="Times New Roman" panose="02020603050405020304" pitchFamily="18" charset="0"/>
-                <a:cs typeface="Calibri" panose="020F0502020204030204" pitchFamily="34" charset="0"/>
-              </a:rPr>
-              <a:t>Confirmation - </a:t>
-            </a:r>
-            <a:r>
-              <a:rPr lang="en-US" sz="1800" dirty="0">
-                <a:effectLst/>
-                <a:latin typeface="Calibri" panose="020F0502020204030204" pitchFamily="34" charset="0"/>
-                <a:ea typeface="Times New Roman" panose="02020603050405020304" pitchFamily="18" charset="0"/>
-                <a:cs typeface="Calibri" panose="020F0502020204030204" pitchFamily="34" charset="0"/>
-              </a:rPr>
-              <a:t>acceptance criteria (so when the developer knows when it’s done)</a:t>
-            </a:r>
-            <a:endParaRPr lang="en-US" sz="1800" dirty="0">
-              <a:effectLst/>
-              <a:latin typeface="Calibri" panose="020F0502020204030204" pitchFamily="34" charset="0"/>
-              <a:ea typeface="Calibri" panose="020F0502020204030204" pitchFamily="34" charset="0"/>
-              <a:cs typeface="Times New Roman" panose="02020603050405020304" pitchFamily="18" charset="0"/>
-            </a:endParaRPr>
+              <a:rPr lang="en-US" dirty="0"/>
+              <a:t>Stories are stored in the Product backlog</a:t>
+            </a:r>
+          </a:p>
+          <a:p>
+            <a:pPr>
+              <a:buFont typeface="Arial" panose="020B0604020202020204" pitchFamily="34" charset="0"/>
+              <a:buChar char="•"/>
+            </a:pPr>
+            <a:r>
+              <a:rPr lang="en-US" dirty="0"/>
+              <a:t>Stories to be done in this sprint are called "sprint backlog"</a:t>
+            </a:r>
+          </a:p>
+          <a:p>
+            <a:pPr lvl="1">
+              <a:buFont typeface="Arial" panose="020B0604020202020204" pitchFamily="34" charset="0"/>
+              <a:buChar char="•"/>
+            </a:pPr>
+            <a:r>
+              <a:rPr lang="en-US" dirty="0"/>
+              <a:t>its called part of the sprint product backlog</a:t>
+            </a:r>
+          </a:p>
+          <a:p>
+            <a:pPr lvl="1">
+              <a:buFont typeface="Arial" panose="020B0604020202020204" pitchFamily="34" charset="0"/>
+              <a:buChar char="•"/>
+            </a:pPr>
+            <a:r>
+              <a:rPr lang="en-US" dirty="0"/>
+              <a:t>Usually just marked with tag to indicate its in the current sprint (or are in a specific column)</a:t>
+            </a:r>
+          </a:p>
+          <a:p>
+            <a:pPr>
+              <a:buFont typeface="Arial" panose="020B0604020202020204" pitchFamily="34" charset="0"/>
+              <a:buChar char="•"/>
+            </a:pPr>
+            <a:r>
+              <a:rPr lang="en-US" dirty="0"/>
+              <a:t>Stories near the "top" of the product backlog (most ready to be used in the next sprint or two) have more details</a:t>
+            </a:r>
           </a:p>
           <a:p>
             <a:endParaRPr lang="en-US" dirty="0"/>
@@ -4537,7 +4648,7 @@
     </p:spTree>
     <p:extLst>
       <p:ext uri="{BB962C8B-B14F-4D97-AF65-F5344CB8AC3E}">
-        <p14:creationId xmlns:p14="http://schemas.microsoft.com/office/powerpoint/2010/main" val="1577600438"/>
+        <p14:creationId xmlns:p14="http://schemas.microsoft.com/office/powerpoint/2010/main" val="834263377"/>
       </p:ext>
     </p:extLst>
   </p:cSld>
@@ -4569,7 +4680,7 @@
           <p:cNvPr id="2" name="Title 1">
             <a:extLst>
               <a:ext uri="{FF2B5EF4-FFF2-40B4-BE49-F238E27FC236}">
-                <a16:creationId xmlns:a16="http://schemas.microsoft.com/office/drawing/2014/main" id="{0B20EA0A-6C51-4A02-8796-16DDB8DCA7A9}"/>
+                <a16:creationId xmlns:a16="http://schemas.microsoft.com/office/drawing/2014/main" id="{3759F2B2-863D-4D8C-9D47-817BB9486982}"/>
               </a:ext>
             </a:extLst>
           </p:cNvPr>
@@ -4587,7 +4698,7 @@
           <a:p>
             <a:r>
               <a:rPr lang="en-US" dirty="0"/>
-              <a:t>User Story Format</a:t>
+              <a:t>Story components</a:t>
             </a:r>
           </a:p>
         </p:txBody>
@@ -4597,7 +4708,7 @@
           <p:cNvPr id="3" name="Content Placeholder 2">
             <a:extLst>
               <a:ext uri="{FF2B5EF4-FFF2-40B4-BE49-F238E27FC236}">
-                <a16:creationId xmlns:a16="http://schemas.microsoft.com/office/drawing/2014/main" id="{191FA821-3A26-4824-8A9E-84AD56409FE2}"/>
+                <a16:creationId xmlns:a16="http://schemas.microsoft.com/office/drawing/2014/main" id="{914F5141-FD63-49B0-8170-9D5EDBF108FE}"/>
               </a:ext>
             </a:extLst>
           </p:cNvPr>
@@ -4631,13 +4742,22 @@
               </a:tabLst>
             </a:pPr>
             <a:r>
+              <a:rPr lang="en-US" sz="1800" b="1" dirty="0">
+                <a:effectLst/>
+                <a:latin typeface="Calibri" panose="020F0502020204030204" pitchFamily="34" charset="0"/>
+                <a:ea typeface="Times New Roman" panose="02020603050405020304" pitchFamily="18" charset="0"/>
+                <a:cs typeface="Calibri" panose="020F0502020204030204" pitchFamily="34" charset="0"/>
+              </a:rPr>
+              <a:t>Card</a:t>
+            </a:r>
+            <a:r>
               <a:rPr lang="en-US" sz="1800" dirty="0">
                 <a:effectLst/>
                 <a:latin typeface="Calibri" panose="020F0502020204030204" pitchFamily="34" charset="0"/>
                 <a:ea typeface="Times New Roman" panose="02020603050405020304" pitchFamily="18" charset="0"/>
                 <a:cs typeface="Calibri" panose="020F0502020204030204" pitchFamily="34" charset="0"/>
               </a:rPr>
-              <a:t>As a (who wants to accomplish something)</a:t>
+              <a:t> - the card itself (physical or in software tool)</a:t>
             </a:r>
             <a:endParaRPr lang="en-US" sz="1800" dirty="0">
               <a:effectLst/>
@@ -4665,13 +4785,22 @@
               </a:tabLst>
             </a:pPr>
             <a:r>
+              <a:rPr lang="en-US" sz="1800" b="1" dirty="0">
+                <a:effectLst/>
+                <a:latin typeface="Calibri" panose="020F0502020204030204" pitchFamily="34" charset="0"/>
+                <a:ea typeface="Times New Roman" panose="02020603050405020304" pitchFamily="18" charset="0"/>
+                <a:cs typeface="Calibri" panose="020F0502020204030204" pitchFamily="34" charset="0"/>
+              </a:rPr>
+              <a:t>Conversation</a:t>
+            </a:r>
+            <a:r>
               <a:rPr lang="en-US" sz="1800" dirty="0">
                 <a:effectLst/>
                 <a:latin typeface="Calibri" panose="020F0502020204030204" pitchFamily="34" charset="0"/>
                 <a:ea typeface="Times New Roman" panose="02020603050405020304" pitchFamily="18" charset="0"/>
                 <a:cs typeface="Calibri" panose="020F0502020204030204" pitchFamily="34" charset="0"/>
               </a:rPr>
-              <a:t>I want to (what they want to accomplish)</a:t>
+              <a:t> (e.g. the story doesn't have exhaustive detail it will likely require conversation to get to the right level of details)</a:t>
             </a:r>
             <a:endParaRPr lang="en-US" sz="1800" dirty="0">
               <a:effectLst/>
@@ -4699,13 +4828,22 @@
               </a:tabLst>
             </a:pPr>
             <a:r>
+              <a:rPr lang="en-US" sz="1800" b="1" dirty="0">
+                <a:effectLst/>
+                <a:latin typeface="Calibri" panose="020F0502020204030204" pitchFamily="34" charset="0"/>
+                <a:ea typeface="Times New Roman" panose="02020603050405020304" pitchFamily="18" charset="0"/>
+                <a:cs typeface="Calibri" panose="020F0502020204030204" pitchFamily="34" charset="0"/>
+              </a:rPr>
+              <a:t>Confirmation - </a:t>
+            </a:r>
+            <a:r>
               <a:rPr lang="en-US" sz="1800" dirty="0">
                 <a:effectLst/>
                 <a:latin typeface="Calibri" panose="020F0502020204030204" pitchFamily="34" charset="0"/>
                 <a:ea typeface="Times New Roman" panose="02020603050405020304" pitchFamily="18" charset="0"/>
                 <a:cs typeface="Calibri" panose="020F0502020204030204" pitchFamily="34" charset="0"/>
               </a:rPr>
-              <a:t>So that (why they want to accomplish that thing)</a:t>
+              <a:t>acceptance criteria (so when the developer knows when it’s done)</a:t>
             </a:r>
             <a:endParaRPr lang="en-US" sz="1800" dirty="0">
               <a:effectLst/>
@@ -4715,14 +4853,6 @@
             </a:endParaRPr>
           </a:p>
           <a:p>
-            <a:r>
-              <a:rPr lang="en-US" sz="1800" dirty="0">
-                <a:effectLst/>
-                <a:latin typeface="Calibri" panose="020F0502020204030204" pitchFamily="34" charset="0"/>
-                <a:ea typeface="Times New Roman" panose="02020603050405020304" pitchFamily="18" charset="0"/>
-              </a:rPr>
-              <a:t> </a:t>
-            </a:r>
             <a:endParaRPr lang="en-US" dirty="0"/>
           </a:p>
         </p:txBody>
@@ -4730,7 +4860,7 @@
     </p:spTree>
     <p:extLst>
       <p:ext uri="{BB962C8B-B14F-4D97-AF65-F5344CB8AC3E}">
-        <p14:creationId xmlns:p14="http://schemas.microsoft.com/office/powerpoint/2010/main" val="2129564810"/>
+        <p14:creationId xmlns:p14="http://schemas.microsoft.com/office/powerpoint/2010/main" val="1577600438"/>
       </p:ext>
     </p:extLst>
   </p:cSld>
@@ -4762,7 +4892,7 @@
           <p:cNvPr id="2" name="Title 1">
             <a:extLst>
               <a:ext uri="{FF2B5EF4-FFF2-40B4-BE49-F238E27FC236}">
-                <a16:creationId xmlns:a16="http://schemas.microsoft.com/office/drawing/2014/main" id="{2839CD80-254A-419F-965F-8A84917D969A}"/>
+                <a16:creationId xmlns:a16="http://schemas.microsoft.com/office/drawing/2014/main" id="{0B20EA0A-6C51-4A02-8796-16DDB8DCA7A9}"/>
               </a:ext>
             </a:extLst>
           </p:cNvPr>
@@ -4780,7 +4910,7 @@
           <a:p>
             <a:r>
               <a:rPr lang="en-US" dirty="0"/>
-              <a:t>Example story</a:t>
+              <a:t>User Story Format</a:t>
             </a:r>
           </a:p>
         </p:txBody>
@@ -4790,7 +4920,7 @@
           <p:cNvPr id="3" name="Content Placeholder 2">
             <a:extLst>
               <a:ext uri="{FF2B5EF4-FFF2-40B4-BE49-F238E27FC236}">
-                <a16:creationId xmlns:a16="http://schemas.microsoft.com/office/drawing/2014/main" id="{D9E0DE78-B7FB-44D1-A385-331479999592}"/>
+                <a16:creationId xmlns:a16="http://schemas.microsoft.com/office/drawing/2014/main" id="{191FA821-3A26-4824-8A9E-84AD56409FE2}"/>
               </a:ext>
             </a:extLst>
           </p:cNvPr>
@@ -4830,7 +4960,7 @@
                 <a:ea typeface="Times New Roman" panose="02020603050405020304" pitchFamily="18" charset="0"/>
                 <a:cs typeface="Calibri" panose="020F0502020204030204" pitchFamily="34" charset="0"/>
               </a:rPr>
-              <a:t>As a bank customer</a:t>
+              <a:t>As a (who wants to accomplish something)</a:t>
             </a:r>
             <a:endParaRPr lang="en-US" sz="1800" dirty="0">
               <a:effectLst/>
@@ -4864,7 +4994,7 @@
                 <a:ea typeface="Times New Roman" panose="02020603050405020304" pitchFamily="18" charset="0"/>
                 <a:cs typeface="Calibri" panose="020F0502020204030204" pitchFamily="34" charset="0"/>
               </a:rPr>
-              <a:t>I want to see my account balance</a:t>
+              <a:t>I want to (what they want to accomplish)</a:t>
             </a:r>
             <a:endParaRPr lang="en-US" sz="1800" dirty="0">
               <a:effectLst/>
@@ -4898,7 +5028,7 @@
                 <a:ea typeface="Times New Roman" panose="02020603050405020304" pitchFamily="18" charset="0"/>
                 <a:cs typeface="Calibri" panose="020F0502020204030204" pitchFamily="34" charset="0"/>
               </a:rPr>
-              <a:t>So that I know how much I have to spend on bills </a:t>
+              <a:t>So that (why they want to accomplish that thing)</a:t>
             </a:r>
             <a:endParaRPr lang="en-US" sz="1800" dirty="0">
               <a:effectLst/>
@@ -4908,6 +5038,14 @@
             </a:endParaRPr>
           </a:p>
           <a:p>
+            <a:r>
+              <a:rPr lang="en-US" sz="1800" dirty="0">
+                <a:effectLst/>
+                <a:latin typeface="Calibri" panose="020F0502020204030204" pitchFamily="34" charset="0"/>
+                <a:ea typeface="Times New Roman" panose="02020603050405020304" pitchFamily="18" charset="0"/>
+              </a:rPr>
+              <a:t> </a:t>
+            </a:r>
             <a:endParaRPr lang="en-US" dirty="0"/>
           </a:p>
         </p:txBody>
@@ -4915,7 +5053,7 @@
     </p:spTree>
     <p:extLst>
       <p:ext uri="{BB962C8B-B14F-4D97-AF65-F5344CB8AC3E}">
-        <p14:creationId xmlns:p14="http://schemas.microsoft.com/office/powerpoint/2010/main" val="652119900"/>
+        <p14:creationId xmlns:p14="http://schemas.microsoft.com/office/powerpoint/2010/main" val="2129564810"/>
       </p:ext>
     </p:extLst>
   </p:cSld>
@@ -4947,7 +5085,7 @@
           <p:cNvPr id="2" name="Title 1">
             <a:extLst>
               <a:ext uri="{FF2B5EF4-FFF2-40B4-BE49-F238E27FC236}">
-                <a16:creationId xmlns:a16="http://schemas.microsoft.com/office/drawing/2014/main" id="{995B937C-64C6-495B-95C2-44BF3D4B5993}"/>
+                <a16:creationId xmlns:a16="http://schemas.microsoft.com/office/drawing/2014/main" id="{2839CD80-254A-419F-965F-8A84917D969A}"/>
               </a:ext>
             </a:extLst>
           </p:cNvPr>
@@ -4965,7 +5103,7 @@
           <a:p>
             <a:r>
               <a:rPr lang="en-US" dirty="0"/>
-              <a:t>Good stories should INVEST</a:t>
+              <a:t>Example story</a:t>
             </a:r>
           </a:p>
         </p:txBody>
@@ -4975,7 +5113,7 @@
           <p:cNvPr id="3" name="Content Placeholder 2">
             <a:extLst>
               <a:ext uri="{FF2B5EF4-FFF2-40B4-BE49-F238E27FC236}">
-                <a16:creationId xmlns:a16="http://schemas.microsoft.com/office/drawing/2014/main" id="{DFDCAE3D-8F9C-4AE7-8AB7-2A075FF864FF}"/>
+                <a16:creationId xmlns:a16="http://schemas.microsoft.com/office/drawing/2014/main" id="{D9E0DE78-B7FB-44D1-A385-331479999592}"/>
               </a:ext>
             </a:extLst>
           </p:cNvPr>
@@ -4990,78 +5128,6 @@
         <p:txBody>
           <a:bodyPr/>
           <a:lstStyle/>
-          <a:p>
-            <a:pPr marL="588010" marR="0" indent="0">
-              <a:lnSpc>
-                <a:spcPct val="107000"/>
-              </a:lnSpc>
-              <a:spcBef>
-                <a:spcPts val="0"/>
-              </a:spcBef>
-              <a:spcAft>
-                <a:spcPts val="0"/>
-              </a:spcAft>
-              <a:buNone/>
-            </a:pPr>
-            <a:r>
-              <a:rPr lang="en-US" sz="1800" dirty="0">
-                <a:effectLst/>
-                <a:latin typeface="Calibri" panose="020F0502020204030204" pitchFamily="34" charset="0"/>
-                <a:ea typeface="Times New Roman" panose="02020603050405020304" pitchFamily="18" charset="0"/>
-                <a:cs typeface="Calibri" panose="020F0502020204030204" pitchFamily="34" charset="0"/>
-              </a:rPr>
-              <a:t>INVEST criterion for stories - </a:t>
-            </a:r>
-            <a:r>
-              <a:rPr lang="en-US" sz="1800" u="sng" dirty="0">
-                <a:solidFill>
-                  <a:srgbClr val="0000FF"/>
-                </a:solidFill>
-                <a:effectLst/>
-                <a:latin typeface="Calibri" panose="020F0502020204030204" pitchFamily="34" charset="0"/>
-                <a:ea typeface="Times New Roman" panose="02020603050405020304" pitchFamily="18" charset="0"/>
-                <a:cs typeface="Calibri" panose="020F0502020204030204" pitchFamily="34" charset="0"/>
-                <a:hlinkClick r:id="rId2"/>
-              </a:rPr>
-              <a:t>What does INVEST Stand For? | Agile Alliance (agilealliance.org)</a:t>
-            </a:r>
-            <a:endParaRPr lang="en-US" sz="1800" u="sng" dirty="0">
-              <a:solidFill>
-                <a:srgbClr val="0000FF"/>
-              </a:solidFill>
-              <a:latin typeface="Calibri" panose="020F0502020204030204" pitchFamily="34" charset="0"/>
-              <a:ea typeface="Times New Roman" panose="02020603050405020304" pitchFamily="18" charset="0"/>
-              <a:cs typeface="Times New Roman" panose="02020603050405020304" pitchFamily="18" charset="0"/>
-            </a:endParaRPr>
-          </a:p>
-          <a:p>
-            <a:pPr marL="679450" marR="0">
-              <a:lnSpc>
-                <a:spcPct val="107000"/>
-              </a:lnSpc>
-              <a:spcBef>
-                <a:spcPts val="0"/>
-              </a:spcBef>
-              <a:spcAft>
-                <a:spcPts val="0"/>
-              </a:spcAft>
-            </a:pPr>
-            <a:r>
-              <a:rPr lang="en-US" sz="1800" dirty="0">
-                <a:effectLst/>
-                <a:latin typeface="Calibri" panose="020F0502020204030204" pitchFamily="34" charset="0"/>
-                <a:ea typeface="Times New Roman" panose="02020603050405020304" pitchFamily="18" charset="0"/>
-                <a:cs typeface="Calibri" panose="020F0502020204030204" pitchFamily="34" charset="0"/>
-              </a:rPr>
-              <a:t>A good user story should be:</a:t>
-            </a:r>
-            <a:endParaRPr lang="en-US" sz="1800" dirty="0">
-              <a:effectLst/>
-              <a:latin typeface="Calibri" panose="020F0502020204030204" pitchFamily="34" charset="0"/>
-              <a:ea typeface="Calibri" panose="020F0502020204030204" pitchFamily="34" charset="0"/>
-              <a:cs typeface="Times New Roman" panose="02020603050405020304" pitchFamily="18" charset="0"/>
-            </a:endParaRPr>
-          </a:p>
           <a:p>
             <a:pPr marL="342900" marR="0" lvl="0" indent="-342900" fontAlgn="ctr">
               <a:lnSpc>
@@ -5082,39 +5148,12 @@
             </a:pPr>
             <a:r>
               <a:rPr lang="en-US" sz="1800" dirty="0">
-                <a:solidFill>
-                  <a:srgbClr val="2F2F2F"/>
-                </a:solidFill>
                 <a:effectLst/>
-                <a:latin typeface="sofia-pro"/>
+                <a:latin typeface="Calibri" panose="020F0502020204030204" pitchFamily="34" charset="0"/>
                 <a:ea typeface="Times New Roman" panose="02020603050405020304" pitchFamily="18" charset="0"/>
                 <a:cs typeface="Calibri" panose="020F0502020204030204" pitchFamily="34" charset="0"/>
               </a:rPr>
-              <a:t>“I” </a:t>
-            </a:r>
-            <a:r>
-              <a:rPr lang="en-US" sz="1800" dirty="0" err="1">
-                <a:solidFill>
-                  <a:srgbClr val="2F2F2F"/>
-                </a:solidFill>
-                <a:effectLst/>
-                <a:latin typeface="sofia-pro"/>
-                <a:ea typeface="Times New Roman" panose="02020603050405020304" pitchFamily="18" charset="0"/>
-                <a:cs typeface="Calibri" panose="020F0502020204030204" pitchFamily="34" charset="0"/>
-              </a:rPr>
-              <a:t>ndependent</a:t>
-            </a:r>
-            <a:r>
-              <a:rPr lang="en-US" sz="1800" dirty="0">
-                <a:solidFill>
-                  <a:srgbClr val="2F2F2F"/>
-                </a:solidFill>
-                <a:effectLst/>
-                <a:latin typeface="sofia-pro"/>
-                <a:ea typeface="Times New Roman" panose="02020603050405020304" pitchFamily="18" charset="0"/>
-                <a:cs typeface="Calibri" panose="020F0502020204030204" pitchFamily="34" charset="0"/>
-              </a:rPr>
-              <a:t> (of all others)</a:t>
+              <a:t>As a bank customer</a:t>
             </a:r>
             <a:endParaRPr lang="en-US" sz="1800" dirty="0">
               <a:effectLst/>
@@ -5143,39 +5182,12 @@
             </a:pPr>
             <a:r>
               <a:rPr lang="en-US" sz="1800" dirty="0">
-                <a:solidFill>
-                  <a:srgbClr val="2F2F2F"/>
-                </a:solidFill>
                 <a:effectLst/>
-                <a:latin typeface="sofia-pro"/>
+                <a:latin typeface="Calibri" panose="020F0502020204030204" pitchFamily="34" charset="0"/>
                 <a:ea typeface="Times New Roman" panose="02020603050405020304" pitchFamily="18" charset="0"/>
                 <a:cs typeface="Calibri" panose="020F0502020204030204" pitchFamily="34" charset="0"/>
               </a:rPr>
-              <a:t>“N” </a:t>
-            </a:r>
-            <a:r>
-              <a:rPr lang="en-US" sz="1800" dirty="0" err="1">
-                <a:solidFill>
-                  <a:srgbClr val="2F2F2F"/>
-                </a:solidFill>
-                <a:effectLst/>
-                <a:latin typeface="sofia-pro"/>
-                <a:ea typeface="Times New Roman" panose="02020603050405020304" pitchFamily="18" charset="0"/>
-                <a:cs typeface="Calibri" panose="020F0502020204030204" pitchFamily="34" charset="0"/>
-              </a:rPr>
-              <a:t>egotiable</a:t>
-            </a:r>
-            <a:r>
-              <a:rPr lang="en-US" sz="1800" dirty="0">
-                <a:solidFill>
-                  <a:srgbClr val="2F2F2F"/>
-                </a:solidFill>
-                <a:effectLst/>
-                <a:latin typeface="sofia-pro"/>
-                <a:ea typeface="Times New Roman" panose="02020603050405020304" pitchFamily="18" charset="0"/>
-                <a:cs typeface="Calibri" panose="020F0502020204030204" pitchFamily="34" charset="0"/>
-              </a:rPr>
-              <a:t> (not a specific contract for features)</a:t>
+              <a:t>I want to see my account balance</a:t>
             </a:r>
             <a:endParaRPr lang="en-US" sz="1800" dirty="0">
               <a:effectLst/>
@@ -5204,64 +5216,12 @@
             </a:pPr>
             <a:r>
               <a:rPr lang="en-US" sz="1800" dirty="0">
-                <a:solidFill>
-                  <a:srgbClr val="2F2F2F"/>
-                </a:solidFill>
                 <a:effectLst/>
-                <a:latin typeface="sofia-pro"/>
+                <a:latin typeface="Calibri" panose="020F0502020204030204" pitchFamily="34" charset="0"/>
                 <a:ea typeface="Times New Roman" panose="02020603050405020304" pitchFamily="18" charset="0"/>
                 <a:cs typeface="Calibri" panose="020F0502020204030204" pitchFamily="34" charset="0"/>
               </a:rPr>
-              <a:t>“V” </a:t>
-            </a:r>
-            <a:r>
-              <a:rPr lang="en-US" sz="1800" dirty="0" err="1">
-                <a:solidFill>
-                  <a:srgbClr val="2F2F2F"/>
-                </a:solidFill>
-                <a:effectLst/>
-                <a:latin typeface="sofia-pro"/>
-                <a:ea typeface="Times New Roman" panose="02020603050405020304" pitchFamily="18" charset="0"/>
-                <a:cs typeface="Calibri" panose="020F0502020204030204" pitchFamily="34" charset="0"/>
-              </a:rPr>
-              <a:t>aluable</a:t>
-            </a:r>
-            <a:r>
-              <a:rPr lang="en-US" sz="1800" dirty="0">
-                <a:solidFill>
-                  <a:srgbClr val="2F2F2F"/>
-                </a:solidFill>
-                <a:effectLst/>
-                <a:latin typeface="sofia-pro"/>
-                <a:ea typeface="Times New Roman" panose="02020603050405020304" pitchFamily="18" charset="0"/>
-                <a:cs typeface="Calibri" panose="020F0502020204030204" pitchFamily="34" charset="0"/>
-              </a:rPr>
-              <a:t> (or </a:t>
-            </a:r>
-            <a:r>
-              <a:rPr lang="en-US" sz="1800" u="sng" dirty="0">
-                <a:solidFill>
-                  <a:srgbClr val="0000FF"/>
-                </a:solidFill>
-                <a:effectLst/>
-                <a:latin typeface="sofia-pro"/>
-                <a:ea typeface="Times New Roman" panose="02020603050405020304" pitchFamily="18" charset="0"/>
-                <a:cs typeface="Calibri" panose="020F0502020204030204" pitchFamily="34" charset="0"/>
-                <a:hlinkClick r:id="rId3"/>
-              </a:rPr>
-              <a:t>vertical</a:t>
-            </a:r>
-            <a:r>
-              <a:rPr lang="en-US" sz="1800" dirty="0">
-                <a:solidFill>
-                  <a:srgbClr val="2F2F2F"/>
-                </a:solidFill>
-                <a:effectLst/>
-                <a:latin typeface="sofia-pro"/>
-                <a:ea typeface="Times New Roman" panose="02020603050405020304" pitchFamily="18" charset="0"/>
-                <a:cs typeface="Calibri" panose="020F0502020204030204" pitchFamily="34" charset="0"/>
-              </a:rPr>
-              <a:t>)</a:t>
+              <a:t>So that I know how much I have to spend on bills </a:t>
             </a:r>
             <a:endParaRPr lang="en-US" sz="1800" dirty="0">
               <a:effectLst/>
@@ -5271,165 +5231,6 @@
             </a:endParaRPr>
           </a:p>
           <a:p>
-            <a:pPr marL="342900" marR="0" lvl="0" indent="-342900" fontAlgn="ctr">
-              <a:lnSpc>
-                <a:spcPct val="107000"/>
-              </a:lnSpc>
-              <a:spcBef>
-                <a:spcPts val="0"/>
-              </a:spcBef>
-              <a:spcAft>
-                <a:spcPts val="0"/>
-              </a:spcAft>
-              <a:buSzPts val="1000"/>
-              <a:buFont typeface="Symbol" panose="05050102010706020507" pitchFamily="18" charset="2"/>
-              <a:buChar char=""/>
-              <a:tabLst>
-                <a:tab pos="908050" algn="l"/>
-              </a:tabLst>
-            </a:pPr>
-            <a:r>
-              <a:rPr lang="en-US" sz="1800" dirty="0">
-                <a:solidFill>
-                  <a:srgbClr val="2F2F2F"/>
-                </a:solidFill>
-                <a:effectLst/>
-                <a:latin typeface="sofia-pro"/>
-                <a:ea typeface="Times New Roman" panose="02020603050405020304" pitchFamily="18" charset="0"/>
-                <a:cs typeface="Calibri" panose="020F0502020204030204" pitchFamily="34" charset="0"/>
-              </a:rPr>
-              <a:t>“E” </a:t>
-            </a:r>
-            <a:r>
-              <a:rPr lang="en-US" sz="1800" dirty="0" err="1">
-                <a:solidFill>
-                  <a:srgbClr val="2F2F2F"/>
-                </a:solidFill>
-                <a:effectLst/>
-                <a:latin typeface="sofia-pro"/>
-                <a:ea typeface="Times New Roman" panose="02020603050405020304" pitchFamily="18" charset="0"/>
-                <a:cs typeface="Calibri" panose="020F0502020204030204" pitchFamily="34" charset="0"/>
-              </a:rPr>
-              <a:t>stimable</a:t>
-            </a:r>
-            <a:r>
-              <a:rPr lang="en-US" sz="1800" dirty="0">
-                <a:solidFill>
-                  <a:srgbClr val="2F2F2F"/>
-                </a:solidFill>
-                <a:effectLst/>
-                <a:latin typeface="sofia-pro"/>
-                <a:ea typeface="Times New Roman" panose="02020603050405020304" pitchFamily="18" charset="0"/>
-                <a:cs typeface="Calibri" panose="020F0502020204030204" pitchFamily="34" charset="0"/>
-              </a:rPr>
-              <a:t> (to a good approximation)</a:t>
-            </a:r>
-            <a:endParaRPr lang="en-US" sz="1800" dirty="0">
-              <a:effectLst/>
-              <a:latin typeface="Calibri" panose="020F0502020204030204" pitchFamily="34" charset="0"/>
-              <a:ea typeface="Calibri" panose="020F0502020204030204" pitchFamily="34" charset="0"/>
-              <a:cs typeface="Times New Roman" panose="02020603050405020304" pitchFamily="18" charset="0"/>
-            </a:endParaRPr>
-          </a:p>
-          <a:p>
-            <a:pPr marL="342900" marR="0" lvl="0" indent="-342900" fontAlgn="ctr">
-              <a:lnSpc>
-                <a:spcPct val="107000"/>
-              </a:lnSpc>
-              <a:spcBef>
-                <a:spcPts val="0"/>
-              </a:spcBef>
-              <a:spcAft>
-                <a:spcPts val="0"/>
-              </a:spcAft>
-              <a:buSzPts val="1000"/>
-              <a:buFont typeface="Symbol" panose="05050102010706020507" pitchFamily="18" charset="2"/>
-              <a:buChar char=""/>
-              <a:tabLst>
-                <a:tab pos="908050" algn="l"/>
-              </a:tabLst>
-            </a:pPr>
-            <a:r>
-              <a:rPr lang="en-US" sz="1800" dirty="0">
-                <a:solidFill>
-                  <a:srgbClr val="2F2F2F"/>
-                </a:solidFill>
-                <a:effectLst/>
-                <a:latin typeface="sofia-pro"/>
-                <a:ea typeface="Times New Roman" panose="02020603050405020304" pitchFamily="18" charset="0"/>
-                <a:cs typeface="Calibri" panose="020F0502020204030204" pitchFamily="34" charset="0"/>
-              </a:rPr>
-              <a:t>“S” mall (so as to fit within an iteration)</a:t>
-            </a:r>
-            <a:endParaRPr lang="en-US" sz="1800" dirty="0">
-              <a:effectLst/>
-              <a:latin typeface="Calibri" panose="020F0502020204030204" pitchFamily="34" charset="0"/>
-              <a:ea typeface="Calibri" panose="020F0502020204030204" pitchFamily="34" charset="0"/>
-              <a:cs typeface="Times New Roman" panose="02020603050405020304" pitchFamily="18" charset="0"/>
-            </a:endParaRPr>
-          </a:p>
-          <a:p>
-            <a:pPr marL="342900" marR="0" lvl="0" indent="-342900" fontAlgn="ctr">
-              <a:lnSpc>
-                <a:spcPct val="107000"/>
-              </a:lnSpc>
-              <a:spcBef>
-                <a:spcPts val="0"/>
-              </a:spcBef>
-              <a:spcAft>
-                <a:spcPts val="0"/>
-              </a:spcAft>
-              <a:buSzPts val="1000"/>
-              <a:buFont typeface="Symbol" panose="05050102010706020507" pitchFamily="18" charset="2"/>
-              <a:buChar char=""/>
-              <a:tabLst>
-                <a:tab pos="908050" algn="l"/>
-              </a:tabLst>
-            </a:pPr>
-            <a:r>
-              <a:rPr lang="en-US" sz="1800" dirty="0">
-                <a:solidFill>
-                  <a:srgbClr val="2F2F2F"/>
-                </a:solidFill>
-                <a:effectLst/>
-                <a:latin typeface="sofia-pro"/>
-                <a:ea typeface="Times New Roman" panose="02020603050405020304" pitchFamily="18" charset="0"/>
-                <a:cs typeface="Calibri" panose="020F0502020204030204" pitchFamily="34" charset="0"/>
-              </a:rPr>
-              <a:t>“T” </a:t>
-            </a:r>
-            <a:r>
-              <a:rPr lang="en-US" sz="1800" dirty="0" err="1">
-                <a:solidFill>
-                  <a:srgbClr val="2F2F2F"/>
-                </a:solidFill>
-                <a:effectLst/>
-                <a:latin typeface="sofia-pro"/>
-                <a:ea typeface="Times New Roman" panose="02020603050405020304" pitchFamily="18" charset="0"/>
-                <a:cs typeface="Calibri" panose="020F0502020204030204" pitchFamily="34" charset="0"/>
-              </a:rPr>
-              <a:t>estable</a:t>
-            </a:r>
-            <a:r>
-              <a:rPr lang="en-US" sz="1800" dirty="0">
-                <a:solidFill>
-                  <a:srgbClr val="2F2F2F"/>
-                </a:solidFill>
-                <a:effectLst/>
-                <a:latin typeface="sofia-pro"/>
-                <a:ea typeface="Times New Roman" panose="02020603050405020304" pitchFamily="18" charset="0"/>
-                <a:cs typeface="Calibri" panose="020F0502020204030204" pitchFamily="34" charset="0"/>
-              </a:rPr>
-              <a:t> (in principle, even if there isn’t a test for it yet)</a:t>
-            </a:r>
-            <a:endParaRPr lang="en-US" sz="1800" dirty="0">
-              <a:effectLst/>
-              <a:latin typeface="Calibri" panose="020F0502020204030204" pitchFamily="34" charset="0"/>
-              <a:ea typeface="Calibri" panose="020F0502020204030204" pitchFamily="34" charset="0"/>
-              <a:cs typeface="Times New Roman" panose="02020603050405020304" pitchFamily="18" charset="0"/>
-            </a:endParaRPr>
-          </a:p>
-          <a:p>
             <a:endParaRPr lang="en-US" dirty="0"/>
           </a:p>
         </p:txBody>
@@ -5437,7 +5238,7 @@
     </p:spTree>
     <p:extLst>
       <p:ext uri="{BB962C8B-B14F-4D97-AF65-F5344CB8AC3E}">
-        <p14:creationId xmlns:p14="http://schemas.microsoft.com/office/powerpoint/2010/main" val="944115567"/>
+        <p14:creationId xmlns:p14="http://schemas.microsoft.com/office/powerpoint/2010/main" val="652119900"/>
       </p:ext>
     </p:extLst>
   </p:cSld>
@@ -5469,7 +5270,7 @@
           <p:cNvPr id="2" name="Title 1">
             <a:extLst>
               <a:ext uri="{FF2B5EF4-FFF2-40B4-BE49-F238E27FC236}">
-                <a16:creationId xmlns:a16="http://schemas.microsoft.com/office/drawing/2014/main" id="{F11626EC-082D-4250-9B20-3B3AE94B4BD9}"/>
+                <a16:creationId xmlns:a16="http://schemas.microsoft.com/office/drawing/2014/main" id="{995B937C-64C6-495B-95C2-44BF3D4B5993}"/>
               </a:ext>
             </a:extLst>
           </p:cNvPr>
@@ -5485,7 +5286,10 @@
           <a:bodyPr/>
           <a:lstStyle/>
           <a:p>
-            <a:endParaRPr lang="en-US"/>
+            <a:r>
+              <a:rPr lang="en-US" dirty="0"/>
+              <a:t>Good stories should INVEST</a:t>
+            </a:r>
           </a:p>
         </p:txBody>
       </p:sp>
@@ -5494,7 +5298,7 @@
           <p:cNvPr id="3" name="Content Placeholder 2">
             <a:extLst>
               <a:ext uri="{FF2B5EF4-FFF2-40B4-BE49-F238E27FC236}">
-                <a16:creationId xmlns:a16="http://schemas.microsoft.com/office/drawing/2014/main" id="{6FB614B5-9532-4630-9E7D-7DA0690C4D86}"/>
+                <a16:creationId xmlns:a16="http://schemas.microsoft.com/office/drawing/2014/main" id="{DFDCAE3D-8F9C-4AE7-8AB7-2A075FF864FF}"/>
               </a:ext>
             </a:extLst>
           </p:cNvPr>
@@ -5510,44 +5314,453 @@
           <a:bodyPr/>
           <a:lstStyle/>
           <a:p>
-            <a:endParaRPr lang="en-US"/>
-          </a:p>
-        </p:txBody>
-      </p:sp>
-      <p:pic>
-        <p:nvPicPr>
-          <p:cNvPr id="5" name="Picture 4">
-            <a:extLst>
-              <a:ext uri="{FF2B5EF4-FFF2-40B4-BE49-F238E27FC236}">
-                <a16:creationId xmlns:a16="http://schemas.microsoft.com/office/drawing/2014/main" id="{70C986CF-8F22-4BBE-8207-752EECB4C031}"/>
-              </a:ext>
-            </a:extLst>
-          </p:cNvPr>
-          <p:cNvPicPr>
-            <a:picLocks noChangeAspect="1"/>
-          </p:cNvPicPr>
-          <p:nvPr/>
-        </p:nvPicPr>
-        <p:blipFill>
-          <a:blip r:embed="rId2"/>
-          <a:stretch>
-            <a:fillRect/>
-          </a:stretch>
-        </p:blipFill>
-        <p:spPr>
-          <a:xfrm>
-            <a:off x="1036320" y="215220"/>
-            <a:ext cx="11428330" cy="5934568"/>
-          </a:xfrm>
-          <a:prstGeom prst="rect">
-            <a:avLst/>
-          </a:prstGeom>
-        </p:spPr>
-      </p:pic>
+            <a:pPr marL="588010" marR="0" indent="0">
+              <a:lnSpc>
+                <a:spcPct val="107000"/>
+              </a:lnSpc>
+              <a:spcBef>
+                <a:spcPts val="0"/>
+              </a:spcBef>
+              <a:spcAft>
+                <a:spcPts val="0"/>
+              </a:spcAft>
+              <a:buNone/>
+            </a:pPr>
+            <a:r>
+              <a:rPr lang="en-US" sz="1800" dirty="0">
+                <a:effectLst/>
+                <a:latin typeface="Calibri" panose="020F0502020204030204" pitchFamily="34" charset="0"/>
+                <a:ea typeface="Times New Roman" panose="02020603050405020304" pitchFamily="18" charset="0"/>
+                <a:cs typeface="Calibri" panose="020F0502020204030204" pitchFamily="34" charset="0"/>
+              </a:rPr>
+              <a:t>INVEST criterion for stories - </a:t>
+            </a:r>
+            <a:r>
+              <a:rPr lang="en-US" sz="1800" u="sng" dirty="0">
+                <a:solidFill>
+                  <a:srgbClr val="0000FF"/>
+                </a:solidFill>
+                <a:effectLst/>
+                <a:latin typeface="Calibri" panose="020F0502020204030204" pitchFamily="34" charset="0"/>
+                <a:ea typeface="Times New Roman" panose="02020603050405020304" pitchFamily="18" charset="0"/>
+                <a:cs typeface="Calibri" panose="020F0502020204030204" pitchFamily="34" charset="0"/>
+                <a:hlinkClick r:id="rId2"/>
+              </a:rPr>
+              <a:t>What does INVEST Stand For? | Agile Alliance (agilealliance.org)</a:t>
+            </a:r>
+            <a:endParaRPr lang="en-US" sz="1800" u="sng" dirty="0">
+              <a:solidFill>
+                <a:srgbClr val="0000FF"/>
+              </a:solidFill>
+              <a:latin typeface="Calibri" panose="020F0502020204030204" pitchFamily="34" charset="0"/>
+              <a:ea typeface="Times New Roman" panose="02020603050405020304" pitchFamily="18" charset="0"/>
+              <a:cs typeface="Times New Roman" panose="02020603050405020304" pitchFamily="18" charset="0"/>
+            </a:endParaRPr>
+          </a:p>
+          <a:p>
+            <a:pPr marL="679450" marR="0">
+              <a:lnSpc>
+                <a:spcPct val="107000"/>
+              </a:lnSpc>
+              <a:spcBef>
+                <a:spcPts val="0"/>
+              </a:spcBef>
+              <a:spcAft>
+                <a:spcPts val="0"/>
+              </a:spcAft>
+            </a:pPr>
+            <a:r>
+              <a:rPr lang="en-US" sz="1800" dirty="0">
+                <a:effectLst/>
+                <a:latin typeface="Calibri" panose="020F0502020204030204" pitchFamily="34" charset="0"/>
+                <a:ea typeface="Times New Roman" panose="02020603050405020304" pitchFamily="18" charset="0"/>
+                <a:cs typeface="Calibri" panose="020F0502020204030204" pitchFamily="34" charset="0"/>
+              </a:rPr>
+              <a:t>A good user story should be:</a:t>
+            </a:r>
+            <a:endParaRPr lang="en-US" sz="1800" dirty="0">
+              <a:effectLst/>
+              <a:latin typeface="Calibri" panose="020F0502020204030204" pitchFamily="34" charset="0"/>
+              <a:ea typeface="Calibri" panose="020F0502020204030204" pitchFamily="34" charset="0"/>
+              <a:cs typeface="Times New Roman" panose="02020603050405020304" pitchFamily="18" charset="0"/>
+            </a:endParaRPr>
+          </a:p>
+          <a:p>
+            <a:pPr marL="342900" marR="0" lvl="0" indent="-342900" fontAlgn="ctr">
+              <a:lnSpc>
+                <a:spcPct val="107000"/>
+              </a:lnSpc>
+              <a:spcBef>
+                <a:spcPts val="0"/>
+              </a:spcBef>
+              <a:spcAft>
+                <a:spcPts val="0"/>
+              </a:spcAft>
+              <a:buSzPts val="1000"/>
+              <a:buFont typeface="Symbol" panose="05050102010706020507" pitchFamily="18" charset="2"/>
+              <a:buChar char=""/>
+              <a:tabLst>
+                <a:tab pos="908050" algn="l"/>
+              </a:tabLst>
+            </a:pPr>
+            <a:r>
+              <a:rPr lang="en-US" sz="1800" dirty="0">
+                <a:solidFill>
+                  <a:srgbClr val="2F2F2F"/>
+                </a:solidFill>
+                <a:effectLst/>
+                <a:latin typeface="sofia-pro"/>
+                <a:ea typeface="Times New Roman" panose="02020603050405020304" pitchFamily="18" charset="0"/>
+                <a:cs typeface="Calibri" panose="020F0502020204030204" pitchFamily="34" charset="0"/>
+              </a:rPr>
+              <a:t>“I” </a:t>
+            </a:r>
+            <a:r>
+              <a:rPr lang="en-US" sz="1800" dirty="0" err="1">
+                <a:solidFill>
+                  <a:srgbClr val="2F2F2F"/>
+                </a:solidFill>
+                <a:effectLst/>
+                <a:latin typeface="sofia-pro"/>
+                <a:ea typeface="Times New Roman" panose="02020603050405020304" pitchFamily="18" charset="0"/>
+                <a:cs typeface="Calibri" panose="020F0502020204030204" pitchFamily="34" charset="0"/>
+              </a:rPr>
+              <a:t>ndependent</a:t>
+            </a:r>
+            <a:r>
+              <a:rPr lang="en-US" sz="1800" dirty="0">
+                <a:solidFill>
+                  <a:srgbClr val="2F2F2F"/>
+                </a:solidFill>
+                <a:effectLst/>
+                <a:latin typeface="sofia-pro"/>
+                <a:ea typeface="Times New Roman" panose="02020603050405020304" pitchFamily="18" charset="0"/>
+                <a:cs typeface="Calibri" panose="020F0502020204030204" pitchFamily="34" charset="0"/>
+              </a:rPr>
+              <a:t> (of all others)</a:t>
+            </a:r>
+            <a:endParaRPr lang="en-US" sz="1800" dirty="0">
+              <a:effectLst/>
+              <a:latin typeface="Calibri" panose="020F0502020204030204" pitchFamily="34" charset="0"/>
+              <a:ea typeface="Calibri" panose="020F0502020204030204" pitchFamily="34" charset="0"/>
+              <a:cs typeface="Times New Roman" panose="02020603050405020304" pitchFamily="18" charset="0"/>
+            </a:endParaRPr>
+          </a:p>
+          <a:p>
+            <a:pPr marL="342900" marR="0" lvl="0" indent="-342900" fontAlgn="ctr">
+              <a:lnSpc>
+                <a:spcPct val="107000"/>
+              </a:lnSpc>
+              <a:spcBef>
+                <a:spcPts val="0"/>
+              </a:spcBef>
+              <a:spcAft>
+                <a:spcPts val="0"/>
+              </a:spcAft>
+              <a:buSzPts val="1000"/>
+              <a:buFont typeface="Symbol" panose="05050102010706020507" pitchFamily="18" charset="2"/>
+              <a:buChar char=""/>
+              <a:tabLst>
+                <a:tab pos="908050" algn="l"/>
+              </a:tabLst>
+            </a:pPr>
+            <a:r>
+              <a:rPr lang="en-US" sz="1800" dirty="0">
+                <a:solidFill>
+                  <a:srgbClr val="2F2F2F"/>
+                </a:solidFill>
+                <a:effectLst/>
+                <a:latin typeface="sofia-pro"/>
+                <a:ea typeface="Times New Roman" panose="02020603050405020304" pitchFamily="18" charset="0"/>
+                <a:cs typeface="Calibri" panose="020F0502020204030204" pitchFamily="34" charset="0"/>
+              </a:rPr>
+              <a:t>“N” </a:t>
+            </a:r>
+            <a:r>
+              <a:rPr lang="en-US" sz="1800" dirty="0" err="1">
+                <a:solidFill>
+                  <a:srgbClr val="2F2F2F"/>
+                </a:solidFill>
+                <a:effectLst/>
+                <a:latin typeface="sofia-pro"/>
+                <a:ea typeface="Times New Roman" panose="02020603050405020304" pitchFamily="18" charset="0"/>
+                <a:cs typeface="Calibri" panose="020F0502020204030204" pitchFamily="34" charset="0"/>
+              </a:rPr>
+              <a:t>egotiable</a:t>
+            </a:r>
+            <a:r>
+              <a:rPr lang="en-US" sz="1800" dirty="0">
+                <a:solidFill>
+                  <a:srgbClr val="2F2F2F"/>
+                </a:solidFill>
+                <a:effectLst/>
+                <a:latin typeface="sofia-pro"/>
+                <a:ea typeface="Times New Roman" panose="02020603050405020304" pitchFamily="18" charset="0"/>
+                <a:cs typeface="Calibri" panose="020F0502020204030204" pitchFamily="34" charset="0"/>
+              </a:rPr>
+              <a:t> (not a specific contract for features)</a:t>
+            </a:r>
+            <a:endParaRPr lang="en-US" sz="1800" dirty="0">
+              <a:effectLst/>
+              <a:latin typeface="Calibri" panose="020F0502020204030204" pitchFamily="34" charset="0"/>
+              <a:ea typeface="Calibri" panose="020F0502020204030204" pitchFamily="34" charset="0"/>
+              <a:cs typeface="Times New Roman" panose="02020603050405020304" pitchFamily="18" charset="0"/>
+            </a:endParaRPr>
+          </a:p>
+          <a:p>
+            <a:pPr marL="342900" marR="0" lvl="0" indent="-342900" fontAlgn="ctr">
+              <a:lnSpc>
+                <a:spcPct val="107000"/>
+              </a:lnSpc>
+              <a:spcBef>
+                <a:spcPts val="0"/>
+              </a:spcBef>
+              <a:spcAft>
+                <a:spcPts val="0"/>
+              </a:spcAft>
+              <a:buSzPts val="1000"/>
+              <a:buFont typeface="Symbol" panose="05050102010706020507" pitchFamily="18" charset="2"/>
+              <a:buChar char=""/>
+              <a:tabLst>
+                <a:tab pos="908050" algn="l"/>
+              </a:tabLst>
+            </a:pPr>
+            <a:r>
+              <a:rPr lang="en-US" sz="1800" dirty="0">
+                <a:solidFill>
+                  <a:srgbClr val="2F2F2F"/>
+                </a:solidFill>
+                <a:effectLst/>
+                <a:latin typeface="sofia-pro"/>
+                <a:ea typeface="Times New Roman" panose="02020603050405020304" pitchFamily="18" charset="0"/>
+                <a:cs typeface="Calibri" panose="020F0502020204030204" pitchFamily="34" charset="0"/>
+              </a:rPr>
+              <a:t>“V” </a:t>
+            </a:r>
+            <a:r>
+              <a:rPr lang="en-US" sz="1800" dirty="0" err="1">
+                <a:solidFill>
+                  <a:srgbClr val="2F2F2F"/>
+                </a:solidFill>
+                <a:effectLst/>
+                <a:latin typeface="sofia-pro"/>
+                <a:ea typeface="Times New Roman" panose="02020603050405020304" pitchFamily="18" charset="0"/>
+                <a:cs typeface="Calibri" panose="020F0502020204030204" pitchFamily="34" charset="0"/>
+              </a:rPr>
+              <a:t>aluable</a:t>
+            </a:r>
+            <a:r>
+              <a:rPr lang="en-US" sz="1800" dirty="0">
+                <a:solidFill>
+                  <a:srgbClr val="2F2F2F"/>
+                </a:solidFill>
+                <a:effectLst/>
+                <a:latin typeface="sofia-pro"/>
+                <a:ea typeface="Times New Roman" panose="02020603050405020304" pitchFamily="18" charset="0"/>
+                <a:cs typeface="Calibri" panose="020F0502020204030204" pitchFamily="34" charset="0"/>
+              </a:rPr>
+              <a:t> (or </a:t>
+            </a:r>
+            <a:r>
+              <a:rPr lang="en-US" sz="1800" u="sng" dirty="0">
+                <a:solidFill>
+                  <a:srgbClr val="0000FF"/>
+                </a:solidFill>
+                <a:effectLst/>
+                <a:latin typeface="sofia-pro"/>
+                <a:ea typeface="Times New Roman" panose="02020603050405020304" pitchFamily="18" charset="0"/>
+                <a:cs typeface="Calibri" panose="020F0502020204030204" pitchFamily="34" charset="0"/>
+                <a:hlinkClick r:id="rId3"/>
+              </a:rPr>
+              <a:t>vertical</a:t>
+            </a:r>
+            <a:r>
+              <a:rPr lang="en-US" sz="1800" dirty="0">
+                <a:solidFill>
+                  <a:srgbClr val="2F2F2F"/>
+                </a:solidFill>
+                <a:effectLst/>
+                <a:latin typeface="sofia-pro"/>
+                <a:ea typeface="Times New Roman" panose="02020603050405020304" pitchFamily="18" charset="0"/>
+                <a:cs typeface="Calibri" panose="020F0502020204030204" pitchFamily="34" charset="0"/>
+              </a:rPr>
+              <a:t>)</a:t>
+            </a:r>
+            <a:endParaRPr lang="en-US" sz="1800" dirty="0">
+              <a:effectLst/>
+              <a:latin typeface="Calibri" panose="020F0502020204030204" pitchFamily="34" charset="0"/>
+              <a:ea typeface="Calibri" panose="020F0502020204030204" pitchFamily="34" charset="0"/>
+              <a:cs typeface="Times New Roman" panose="02020603050405020304" pitchFamily="18" charset="0"/>
+            </a:endParaRPr>
+          </a:p>
+          <a:p>
+            <a:pPr marL="342900" marR="0" lvl="0" indent="-342900" fontAlgn="ctr">
+              <a:lnSpc>
+                <a:spcPct val="107000"/>
+              </a:lnSpc>
+              <a:spcBef>
+                <a:spcPts val="0"/>
+              </a:spcBef>
+              <a:spcAft>
+                <a:spcPts val="0"/>
+              </a:spcAft>
+              <a:buSzPts val="1000"/>
+              <a:buFont typeface="Symbol" panose="05050102010706020507" pitchFamily="18" charset="2"/>
+              <a:buChar char=""/>
+              <a:tabLst>
+                <a:tab pos="908050" algn="l"/>
+              </a:tabLst>
+            </a:pPr>
+            <a:r>
+              <a:rPr lang="en-US" sz="1800" dirty="0">
+                <a:solidFill>
+                  <a:srgbClr val="2F2F2F"/>
+                </a:solidFill>
+                <a:effectLst/>
+                <a:latin typeface="sofia-pro"/>
+                <a:ea typeface="Times New Roman" panose="02020603050405020304" pitchFamily="18" charset="0"/>
+                <a:cs typeface="Calibri" panose="020F0502020204030204" pitchFamily="34" charset="0"/>
+              </a:rPr>
+              <a:t>“E” </a:t>
+            </a:r>
+            <a:r>
+              <a:rPr lang="en-US" sz="1800" dirty="0" err="1">
+                <a:solidFill>
+                  <a:srgbClr val="2F2F2F"/>
+                </a:solidFill>
+                <a:effectLst/>
+                <a:latin typeface="sofia-pro"/>
+                <a:ea typeface="Times New Roman" panose="02020603050405020304" pitchFamily="18" charset="0"/>
+                <a:cs typeface="Calibri" panose="020F0502020204030204" pitchFamily="34" charset="0"/>
+              </a:rPr>
+              <a:t>stimable</a:t>
+            </a:r>
+            <a:r>
+              <a:rPr lang="en-US" sz="1800" dirty="0">
+                <a:solidFill>
+                  <a:srgbClr val="2F2F2F"/>
+                </a:solidFill>
+                <a:effectLst/>
+                <a:latin typeface="sofia-pro"/>
+                <a:ea typeface="Times New Roman" panose="02020603050405020304" pitchFamily="18" charset="0"/>
+                <a:cs typeface="Calibri" panose="020F0502020204030204" pitchFamily="34" charset="0"/>
+              </a:rPr>
+              <a:t> (to a good approximation)</a:t>
+            </a:r>
+            <a:endParaRPr lang="en-US" sz="1800" dirty="0">
+              <a:effectLst/>
+              <a:latin typeface="Calibri" panose="020F0502020204030204" pitchFamily="34" charset="0"/>
+              <a:ea typeface="Calibri" panose="020F0502020204030204" pitchFamily="34" charset="0"/>
+              <a:cs typeface="Times New Roman" panose="02020603050405020304" pitchFamily="18" charset="0"/>
+            </a:endParaRPr>
+          </a:p>
+          <a:p>
+            <a:pPr marL="342900" marR="0" lvl="0" indent="-342900" fontAlgn="ctr">
+              <a:lnSpc>
+                <a:spcPct val="107000"/>
+              </a:lnSpc>
+              <a:spcBef>
+                <a:spcPts val="0"/>
+              </a:spcBef>
+              <a:spcAft>
+                <a:spcPts val="0"/>
+              </a:spcAft>
+              <a:buSzPts val="1000"/>
+              <a:buFont typeface="Symbol" panose="05050102010706020507" pitchFamily="18" charset="2"/>
+              <a:buChar char=""/>
+              <a:tabLst>
+                <a:tab pos="908050" algn="l"/>
+              </a:tabLst>
+            </a:pPr>
+            <a:r>
+              <a:rPr lang="en-US" sz="1800" dirty="0">
+                <a:solidFill>
+                  <a:srgbClr val="2F2F2F"/>
+                </a:solidFill>
+                <a:effectLst/>
+                <a:latin typeface="sofia-pro"/>
+                <a:ea typeface="Times New Roman" panose="02020603050405020304" pitchFamily="18" charset="0"/>
+                <a:cs typeface="Calibri" panose="020F0502020204030204" pitchFamily="34" charset="0"/>
+              </a:rPr>
+              <a:t>“S” mall (so as to fit within an iteration)</a:t>
+            </a:r>
+            <a:endParaRPr lang="en-US" sz="1800" dirty="0">
+              <a:effectLst/>
+              <a:latin typeface="Calibri" panose="020F0502020204030204" pitchFamily="34" charset="0"/>
+              <a:ea typeface="Calibri" panose="020F0502020204030204" pitchFamily="34" charset="0"/>
+              <a:cs typeface="Times New Roman" panose="02020603050405020304" pitchFamily="18" charset="0"/>
+            </a:endParaRPr>
+          </a:p>
+          <a:p>
+            <a:pPr marL="342900" marR="0" lvl="0" indent="-342900" fontAlgn="ctr">
+              <a:lnSpc>
+                <a:spcPct val="107000"/>
+              </a:lnSpc>
+              <a:spcBef>
+                <a:spcPts val="0"/>
+              </a:spcBef>
+              <a:spcAft>
+                <a:spcPts val="0"/>
+              </a:spcAft>
+              <a:buSzPts val="1000"/>
+              <a:buFont typeface="Symbol" panose="05050102010706020507" pitchFamily="18" charset="2"/>
+              <a:buChar char=""/>
+              <a:tabLst>
+                <a:tab pos="908050" algn="l"/>
+              </a:tabLst>
+            </a:pPr>
+            <a:r>
+              <a:rPr lang="en-US" sz="1800" dirty="0">
+                <a:solidFill>
+                  <a:srgbClr val="2F2F2F"/>
+                </a:solidFill>
+                <a:effectLst/>
+                <a:latin typeface="sofia-pro"/>
+                <a:ea typeface="Times New Roman" panose="02020603050405020304" pitchFamily="18" charset="0"/>
+                <a:cs typeface="Calibri" panose="020F0502020204030204" pitchFamily="34" charset="0"/>
+              </a:rPr>
+              <a:t>“T” </a:t>
+            </a:r>
+            <a:r>
+              <a:rPr lang="en-US" sz="1800" dirty="0" err="1">
+                <a:solidFill>
+                  <a:srgbClr val="2F2F2F"/>
+                </a:solidFill>
+                <a:effectLst/>
+                <a:latin typeface="sofia-pro"/>
+                <a:ea typeface="Times New Roman" panose="02020603050405020304" pitchFamily="18" charset="0"/>
+                <a:cs typeface="Calibri" panose="020F0502020204030204" pitchFamily="34" charset="0"/>
+              </a:rPr>
+              <a:t>estable</a:t>
+            </a:r>
+            <a:r>
+              <a:rPr lang="en-US" sz="1800" dirty="0">
+                <a:solidFill>
+                  <a:srgbClr val="2F2F2F"/>
+                </a:solidFill>
+                <a:effectLst/>
+                <a:latin typeface="sofia-pro"/>
+                <a:ea typeface="Times New Roman" panose="02020603050405020304" pitchFamily="18" charset="0"/>
+                <a:cs typeface="Calibri" panose="020F0502020204030204" pitchFamily="34" charset="0"/>
+              </a:rPr>
+              <a:t> (in principle, even if there isn’t a test for it yet)</a:t>
+            </a:r>
+            <a:endParaRPr lang="en-US" sz="1800" dirty="0">
+              <a:effectLst/>
+              <a:latin typeface="Calibri" panose="020F0502020204030204" pitchFamily="34" charset="0"/>
+              <a:ea typeface="Calibri" panose="020F0502020204030204" pitchFamily="34" charset="0"/>
+              <a:cs typeface="Times New Roman" panose="02020603050405020304" pitchFamily="18" charset="0"/>
+            </a:endParaRPr>
+          </a:p>
+          <a:p>
+            <a:endParaRPr lang="en-US" dirty="0"/>
+          </a:p>
+        </p:txBody>
+      </p:sp>
     </p:spTree>
     <p:extLst>
       <p:ext uri="{BB962C8B-B14F-4D97-AF65-F5344CB8AC3E}">
-        <p14:creationId xmlns:p14="http://schemas.microsoft.com/office/powerpoint/2010/main" val="2579892638"/>
+        <p14:creationId xmlns:p14="http://schemas.microsoft.com/office/powerpoint/2010/main" val="944115567"/>
       </p:ext>
     </p:extLst>
   </p:cSld>
@@ -5579,7 +5792,7 @@
           <p:cNvPr id="2" name="Title 1">
             <a:extLst>
               <a:ext uri="{FF2B5EF4-FFF2-40B4-BE49-F238E27FC236}">
-                <a16:creationId xmlns:a16="http://schemas.microsoft.com/office/drawing/2014/main" id="{38CFF189-C4AA-4687-BE7D-84B53CAED8D2}"/>
+                <a16:creationId xmlns:a16="http://schemas.microsoft.com/office/drawing/2014/main" id="{F11626EC-082D-4250-9B20-3B3AE94B4BD9}"/>
               </a:ext>
             </a:extLst>
           </p:cNvPr>
@@ -5604,7 +5817,7 @@
           <p:cNvPr id="3" name="Content Placeholder 2">
             <a:extLst>
               <a:ext uri="{FF2B5EF4-FFF2-40B4-BE49-F238E27FC236}">
-                <a16:creationId xmlns:a16="http://schemas.microsoft.com/office/drawing/2014/main" id="{7AB7356C-F4C6-4EB2-81EE-2E21B60FB292}"/>
+                <a16:creationId xmlns:a16="http://schemas.microsoft.com/office/drawing/2014/main" id="{6FB614B5-9532-4630-9E7D-7DA0690C4D86}"/>
               </a:ext>
             </a:extLst>
           </p:cNvPr>
@@ -5620,7 +5833,7 @@
           <a:bodyPr/>
           <a:lstStyle/>
           <a:p>
-            <a:endParaRPr lang="en-US" dirty="0"/>
+            <a:endParaRPr lang="en-US"/>
           </a:p>
         </p:txBody>
       </p:sp>
@@ -5629,7 +5842,7 @@
           <p:cNvPr id="5" name="Picture 4">
             <a:extLst>
               <a:ext uri="{FF2B5EF4-FFF2-40B4-BE49-F238E27FC236}">
-                <a16:creationId xmlns:a16="http://schemas.microsoft.com/office/drawing/2014/main" id="{0FF23216-8F22-4BCE-8387-78634A2241D7}"/>
+                <a16:creationId xmlns:a16="http://schemas.microsoft.com/office/drawing/2014/main" id="{70C986CF-8F22-4BBE-8207-752EECB4C031}"/>
               </a:ext>
             </a:extLst>
           </p:cNvPr>
@@ -5646,8 +5859,8 @@
         </p:blipFill>
         <p:spPr>
           <a:xfrm>
-            <a:off x="1322109" y="151316"/>
-            <a:ext cx="7786031" cy="6384822"/>
+            <a:off x="1036320" y="215220"/>
+            <a:ext cx="11428330" cy="5934568"/>
           </a:xfrm>
           <a:prstGeom prst="rect">
             <a:avLst/>
@@ -5657,7 +5870,7 @@
     </p:spTree>
     <p:extLst>
       <p:ext uri="{BB962C8B-B14F-4D97-AF65-F5344CB8AC3E}">
-        <p14:creationId xmlns:p14="http://schemas.microsoft.com/office/powerpoint/2010/main" val="4183842153"/>
+        <p14:creationId xmlns:p14="http://schemas.microsoft.com/office/powerpoint/2010/main" val="2579892638"/>
       </p:ext>
     </p:extLst>
   </p:cSld>

--- a/Course Content/What is a user story.pptx
+++ b/Course Content/What is a user story.pptx
@@ -149,8 +149,8 @@
   </pc:docChgLst>
   <pc:docChgLst>
     <pc:chgData name="Martin Schray" userId="bf4f4853c980e97a" providerId="LiveId" clId="{F4CCCE35-9831-49B4-A031-25DC280E0E2A}"/>
-    <pc:docChg chg="custSel addSld modSld sldOrd">
-      <pc:chgData name="Martin Schray" userId="bf4f4853c980e97a" providerId="LiveId" clId="{F4CCCE35-9831-49B4-A031-25DC280E0E2A}" dt="2023-02-01T00:16:55.406" v="683" actId="20577"/>
+    <pc:docChg chg="undo custSel addSld modSld sldOrd">
+      <pc:chgData name="Martin Schray" userId="bf4f4853c980e97a" providerId="LiveId" clId="{F4CCCE35-9831-49B4-A031-25DC280E0E2A}" dt="2023-02-01T01:10:23.574" v="694" actId="20577"/>
       <pc:docMkLst>
         <pc:docMk/>
       </pc:docMkLst>
@@ -170,7 +170,7 @@
         </pc:spChg>
       </pc:sldChg>
       <pc:sldChg chg="modSp new mod ord">
-        <pc:chgData name="Martin Schray" userId="bf4f4853c980e97a" providerId="LiveId" clId="{F4CCCE35-9831-49B4-A031-25DC280E0E2A}" dt="2023-02-01T00:16:17.002" v="670" actId="20577"/>
+        <pc:chgData name="Martin Schray" userId="bf4f4853c980e97a" providerId="LiveId" clId="{F4CCCE35-9831-49B4-A031-25DC280E0E2A}" dt="2023-02-01T01:10:23.574" v="694" actId="20577"/>
         <pc:sldMkLst>
           <pc:docMk/>
           <pc:sldMk cId="1709479183" sldId="267"/>
@@ -184,7 +184,7 @@
           </ac:spMkLst>
         </pc:spChg>
         <pc:spChg chg="mod">
-          <ac:chgData name="Martin Schray" userId="bf4f4853c980e97a" providerId="LiveId" clId="{F4CCCE35-9831-49B4-A031-25DC280E0E2A}" dt="2023-02-01T00:16:17.002" v="670" actId="20577"/>
+          <ac:chgData name="Martin Schray" userId="bf4f4853c980e97a" providerId="LiveId" clId="{F4CCCE35-9831-49B4-A031-25DC280E0E2A}" dt="2023-02-01T01:10:23.574" v="694" actId="20577"/>
           <ac:spMkLst>
             <pc:docMk/>
             <pc:sldMk cId="1709479183" sldId="267"/>
@@ -4435,8 +4435,13 @@
             </a:pPr>
             <a:r>
               <a:rPr lang="en-US" dirty="0"/>
-              <a:t>Should provide details so I know when I am done (called definition of done of acceptance criterion.</a:t>
-            </a:r>
+              <a:t>Should provide details so I know when I am done (called definition of </a:t>
+            </a:r>
+            <a:r>
+              <a:rPr lang="en-US"/>
+              <a:t>done or acceptance criterion).</a:t>
+            </a:r>
+            <a:endParaRPr lang="en-US" dirty="0"/>
           </a:p>
           <a:p>
             <a:pPr lvl="1">
